--- a/PPT/캡스톤디자인_13주차_발표자료_5조.pptx
+++ b/PPT/캡스톤디자인_13주차_발표자료_5조.pptx
@@ -15,8 +15,8 @@
     <p:sldId id="268" r:id="rId6"/>
     <p:sldId id="281" r:id="rId7"/>
     <p:sldId id="295" r:id="rId8"/>
-    <p:sldId id="310" r:id="rId9"/>
-    <p:sldId id="318" r:id="rId10"/>
+    <p:sldId id="325" r:id="rId9"/>
+    <p:sldId id="326" r:id="rId10"/>
     <p:sldId id="317" r:id="rId11"/>
     <p:sldId id="319" r:id="rId12"/>
     <p:sldId id="320" r:id="rId13"/>
@@ -34,28 +34,28 @@
   <p:notesSz cx="6858000" cy="9144000"/>
   <p:embeddedFontLst>
     <p:embeddedFont>
-      <p:font typeface="HY견고딕" panose="02030600000101010101" pitchFamily="18" charset="-127"/>
+      <p:font typeface="Verdana" panose="020B0604030504040204" pitchFamily="34" charset="0"/>
       <p:regular r:id="rId24"/>
+      <p:bold r:id="rId25"/>
+      <p:italic r:id="rId26"/>
+      <p:boldItalic r:id="rId27"/>
     </p:embeddedFont>
     <p:embeddedFont>
-      <p:font typeface="Verdana" panose="020B0604030504040204" pitchFamily="34" charset="0"/>
-      <p:regular r:id="rId25"/>
-      <p:bold r:id="rId26"/>
-      <p:italic r:id="rId27"/>
-      <p:boldItalic r:id="rId28"/>
+      <p:font typeface="나눔스퀘어 ExtraBold" panose="020B0600000101010101" pitchFamily="50" charset="-127"/>
+      <p:bold r:id="rId28"/>
+    </p:embeddedFont>
+    <p:embeddedFont>
+      <p:font typeface="맑은 고딕" panose="020B0503020000020004" pitchFamily="50" charset="-127"/>
+      <p:regular r:id="rId29"/>
+      <p:bold r:id="rId30"/>
+    </p:embeddedFont>
+    <p:embeddedFont>
+      <p:font typeface="HY견고딕" panose="02030600000101010101" pitchFamily="18" charset="-127"/>
+      <p:regular r:id="rId31"/>
     </p:embeddedFont>
     <p:embeddedFont>
       <p:font typeface="나눔스퀘어" panose="020B0600000101010101" pitchFamily="50" charset="-127"/>
-      <p:regular r:id="rId29"/>
-    </p:embeddedFont>
-    <p:embeddedFont>
-      <p:font typeface="나눔스퀘어 ExtraBold" panose="020B0600000101010101" pitchFamily="50" charset="-127"/>
-      <p:bold r:id="rId30"/>
-    </p:embeddedFont>
-    <p:embeddedFont>
-      <p:font typeface="맑은 고딕" panose="020B0503020000020004" pitchFamily="50" charset="-127"/>
-      <p:regular r:id="rId31"/>
-      <p:bold r:id="rId32"/>
+      <p:regular r:id="rId32"/>
     </p:embeddedFont>
   </p:embeddedFontLst>
   <p:defaultTextStyle>
@@ -243,7 +243,7 @@
           <a:p>
             <a:fld id="{A1D3B85E-8A48-4066-B72F-913BB4E69F89}" type="datetimeFigureOut">
               <a:rPr lang="ko-KR" altLang="en-US" smtClean="0"/>
-              <a:t>2018-11-26</a:t>
+              <a:t>2018-11-27</a:t>
             </a:fld>
             <a:endParaRPr lang="ko-KR" altLang="en-US"/>
           </a:p>
@@ -1256,7 +1256,7 @@
     </p:spTree>
     <p:extLst>
       <p:ext uri="{BB962C8B-B14F-4D97-AF65-F5344CB8AC3E}">
-        <p14:creationId xmlns:p14="http://schemas.microsoft.com/office/powerpoint/2010/main" val="1180030772"/>
+        <p14:creationId xmlns:p14="http://schemas.microsoft.com/office/powerpoint/2010/main" val="3000938263"/>
       </p:ext>
     </p:extLst>
   </p:cSld>
@@ -1340,7 +1340,7 @@
     </p:spTree>
     <p:extLst>
       <p:ext uri="{BB962C8B-B14F-4D97-AF65-F5344CB8AC3E}">
-        <p14:creationId xmlns:p14="http://schemas.microsoft.com/office/powerpoint/2010/main" val="1800430726"/>
+        <p14:creationId xmlns:p14="http://schemas.microsoft.com/office/powerpoint/2010/main" val="2200992701"/>
       </p:ext>
     </p:extLst>
   </p:cSld>
@@ -1984,7 +1984,7 @@
           <a:p>
             <a:fld id="{DD129790-0DC6-47CC-9942-83498BADFBAF}" type="datetimeFigureOut">
               <a:rPr lang="ko-KR" altLang="en-US" smtClean="0"/>
-              <a:t>2018-11-26</a:t>
+              <a:t>2018-11-27</a:t>
             </a:fld>
             <a:endParaRPr lang="ko-KR" altLang="en-US"/>
           </a:p>
@@ -2347,7 +2347,7 @@
           <a:p>
             <a:fld id="{DD129790-0DC6-47CC-9942-83498BADFBAF}" type="datetimeFigureOut">
               <a:rPr lang="ko-KR" altLang="en-US" smtClean="0"/>
-              <a:t>2018-11-26</a:t>
+              <a:t>2018-11-27</a:t>
             </a:fld>
             <a:endParaRPr lang="ko-KR" altLang="en-US"/>
           </a:p>
@@ -2635,7 +2635,7 @@
           <a:p>
             <a:fld id="{DD129790-0DC6-47CC-9942-83498BADFBAF}" type="datetimeFigureOut">
               <a:rPr lang="ko-KR" altLang="en-US" smtClean="0"/>
-              <a:t>2018-11-26</a:t>
+              <a:t>2018-11-27</a:t>
             </a:fld>
             <a:endParaRPr lang="ko-KR" altLang="en-US"/>
           </a:p>
@@ -2833,7 +2833,7 @@
           <a:p>
             <a:fld id="{DD129790-0DC6-47CC-9942-83498BADFBAF}" type="datetimeFigureOut">
               <a:rPr lang="ko-KR" altLang="en-US" smtClean="0"/>
-              <a:t>2018-11-26</a:t>
+              <a:t>2018-11-27</a:t>
             </a:fld>
             <a:endParaRPr lang="ko-KR" altLang="en-US"/>
           </a:p>
@@ -3041,7 +3041,7 @@
           <a:p>
             <a:fld id="{DD129790-0DC6-47CC-9942-83498BADFBAF}" type="datetimeFigureOut">
               <a:rPr lang="ko-KR" altLang="en-US" smtClean="0"/>
-              <a:t>2018-11-26</a:t>
+              <a:t>2018-11-27</a:t>
             </a:fld>
             <a:endParaRPr lang="ko-KR" altLang="en-US"/>
           </a:p>
@@ -3197,7 +3197,7 @@
           <a:p>
             <a:fld id="{DD129790-0DC6-47CC-9942-83498BADFBAF}" type="datetimeFigureOut">
               <a:rPr lang="ko-KR" altLang="en-US" smtClean="0"/>
-              <a:t>2018-11-26</a:t>
+              <a:t>2018-11-27</a:t>
             </a:fld>
             <a:endParaRPr lang="ko-KR" altLang="en-US"/>
           </a:p>
@@ -3516,7 +3516,7 @@
           <a:p>
             <a:fld id="{DD129790-0DC6-47CC-9942-83498BADFBAF}" type="datetimeFigureOut">
               <a:rPr lang="ko-KR" altLang="en-US" smtClean="0"/>
-              <a:t>2018-11-26</a:t>
+              <a:t>2018-11-27</a:t>
             </a:fld>
             <a:endParaRPr lang="ko-KR" altLang="en-US"/>
           </a:p>
@@ -3781,7 +3781,7 @@
           <a:p>
             <a:fld id="{DD129790-0DC6-47CC-9942-83498BADFBAF}" type="datetimeFigureOut">
               <a:rPr lang="ko-KR" altLang="en-US" smtClean="0"/>
-              <a:t>2018-11-26</a:t>
+              <a:t>2018-11-27</a:t>
             </a:fld>
             <a:endParaRPr lang="ko-KR" altLang="en-US"/>
           </a:p>
@@ -4193,7 +4193,7 @@
           <a:p>
             <a:fld id="{DD129790-0DC6-47CC-9942-83498BADFBAF}" type="datetimeFigureOut">
               <a:rPr lang="ko-KR" altLang="en-US" smtClean="0"/>
-              <a:t>2018-11-26</a:t>
+              <a:t>2018-11-27</a:t>
             </a:fld>
             <a:endParaRPr lang="ko-KR" altLang="en-US"/>
           </a:p>
@@ -4351,7 +4351,7 @@
           <a:p>
             <a:fld id="{DD129790-0DC6-47CC-9942-83498BADFBAF}" type="datetimeFigureOut">
               <a:rPr lang="ko-KR" altLang="en-US" smtClean="0"/>
-              <a:t>2018-11-26</a:t>
+              <a:t>2018-11-27</a:t>
             </a:fld>
             <a:endParaRPr lang="ko-KR" altLang="en-US"/>
           </a:p>
@@ -4553,7 +4553,7 @@
           <a:p>
             <a:fld id="{DD129790-0DC6-47CC-9942-83498BADFBAF}" type="datetimeFigureOut">
               <a:rPr lang="ko-KR" altLang="en-US" smtClean="0"/>
-              <a:t>2018-11-26</a:t>
+              <a:t>2018-11-27</a:t>
             </a:fld>
             <a:endParaRPr lang="ko-KR" altLang="en-US"/>
           </a:p>
@@ -4710,7 +4710,7 @@
           <a:p>
             <a:fld id="{DD129790-0DC6-47CC-9942-83498BADFBAF}" type="datetimeFigureOut">
               <a:rPr lang="ko-KR" altLang="en-US" smtClean="0"/>
-              <a:t>2018-11-26</a:t>
+              <a:t>2018-11-27</a:t>
             </a:fld>
             <a:endParaRPr lang="ko-KR" altLang="en-US"/>
           </a:p>
@@ -4823,7 +4823,7 @@
           <a:p>
             <a:fld id="{DD129790-0DC6-47CC-9942-83498BADFBAF}" type="datetimeFigureOut">
               <a:rPr lang="ko-KR" altLang="en-US" smtClean="0"/>
-              <a:t>2018-11-26</a:t>
+              <a:t>2018-11-27</a:t>
             </a:fld>
             <a:endParaRPr lang="ko-KR" altLang="en-US"/>
           </a:p>
@@ -5153,7 +5153,7 @@
           <a:p>
             <a:fld id="{DD129790-0DC6-47CC-9942-83498BADFBAF}" type="datetimeFigureOut">
               <a:rPr lang="ko-KR" altLang="en-US" smtClean="0"/>
-              <a:t>2018-11-26</a:t>
+              <a:t>2018-11-27</a:t>
             </a:fld>
             <a:endParaRPr lang="ko-KR" altLang="en-US"/>
           </a:p>
@@ -7788,11 +7788,18 @@
               <a:buSzPct val="50000"/>
             </a:pPr>
             <a:r>
+              <a:rPr lang="ko-KR" altLang="en-US" sz="1800" dirty="0" err="1">
+                <a:latin typeface="나눔스퀘어" panose="020B0600000101010101" pitchFamily="50" charset="-127"/>
+                <a:ea typeface="나눔스퀘어" panose="020B0600000101010101" pitchFamily="50" charset="-127"/>
+              </a:rPr>
+              <a:t>자이로</a:t>
+            </a:r>
+            <a:r>
               <a:rPr lang="ko-KR" altLang="en-US" sz="1800" dirty="0">
                 <a:latin typeface="나눔스퀘어" panose="020B0600000101010101" pitchFamily="50" charset="-127"/>
                 <a:ea typeface="나눔스퀘어" panose="020B0600000101010101" pitchFamily="50" charset="-127"/>
               </a:rPr>
-              <a:t>센서의 위치를 </a:t>
+              <a:t> 가속도 센서의 위치를 </a:t>
             </a:r>
             <a:r>
               <a:rPr lang="ko-KR" altLang="en-US" sz="1800" dirty="0" err="1">
@@ -7987,7 +7994,7 @@
         </p:blipFill>
         <p:spPr>
           <a:xfrm>
-            <a:off x="6213924" y="2376394"/>
+            <a:off x="6213924" y="2464076"/>
             <a:ext cx="390145" cy="408433"/>
           </a:xfrm>
           <a:prstGeom prst="rect">
@@ -8017,7 +8024,7 @@
         </p:blipFill>
         <p:spPr>
           <a:xfrm>
-            <a:off x="563956" y="2441835"/>
+            <a:off x="701742" y="2542405"/>
             <a:ext cx="3263691" cy="2751885"/>
           </a:xfrm>
           <a:prstGeom prst="rect">
@@ -8025,64 +8032,6 @@
           </a:prstGeom>
         </p:spPr>
       </p:pic>
-      <p:sp>
-        <p:nvSpPr>
-          <p:cNvPr id="3" name="직사각형 2">
-            <a:extLst>
-              <a:ext uri="{FF2B5EF4-FFF2-40B4-BE49-F238E27FC236}">
-                <a16:creationId xmlns:a16="http://schemas.microsoft.com/office/drawing/2014/main" id="{4D241F6C-C61F-4ECD-B7A8-E5E45379DCBA}"/>
-              </a:ext>
-            </a:extLst>
-          </p:cNvPr>
-          <p:cNvSpPr/>
-          <p:nvPr/>
-        </p:nvSpPr>
-        <p:spPr>
-          <a:xfrm>
-            <a:off x="3319662" y="2667790"/>
-            <a:ext cx="2721841" cy="2589196"/>
-          </a:xfrm>
-          <a:prstGeom prst="rect">
-            <a:avLst/>
-          </a:prstGeom>
-        </p:spPr>
-        <p:style>
-          <a:lnRef idx="2">
-            <a:schemeClr val="accent1">
-              <a:shade val="50000"/>
-            </a:schemeClr>
-          </a:lnRef>
-          <a:fillRef idx="1">
-            <a:schemeClr val="accent1"/>
-          </a:fillRef>
-          <a:effectRef idx="0">
-            <a:schemeClr val="accent1"/>
-          </a:effectRef>
-          <a:fontRef idx="minor">
-            <a:schemeClr val="lt1"/>
-          </a:fontRef>
-        </p:style>
-        <p:txBody>
-          <a:bodyPr rtlCol="0" anchor="ctr"/>
-          <a:lstStyle/>
-          <a:p>
-            <a:pPr algn="ctr"/>
-            <a:r>
-              <a:rPr lang="ko-KR" altLang="en-US" dirty="0"/>
-              <a:t>칫솔 모델 그림 넣어도 </a:t>
-            </a:r>
-            <a:r>
-              <a:rPr lang="ko-KR" altLang="en-US" dirty="0" err="1"/>
-              <a:t>좋을듯</a:t>
-            </a:r>
-            <a:r>
-              <a:rPr lang="en-US" altLang="ko-KR" dirty="0"/>
-              <a:t>?</a:t>
-            </a:r>
-            <a:endParaRPr lang="ko-KR" altLang="en-US" dirty="0"/>
-          </a:p>
-        </p:txBody>
-      </p:sp>
       <p:pic>
         <p:nvPicPr>
           <p:cNvPr id="9" name="그림 8" descr="2.png">
@@ -8105,7 +8054,7 @@
         </p:blipFill>
         <p:spPr>
           <a:xfrm>
-            <a:off x="6213925" y="3918348"/>
+            <a:off x="6213925" y="4031082"/>
             <a:ext cx="390145" cy="408433"/>
           </a:xfrm>
           <a:prstGeom prst="rect">
@@ -8187,7 +8136,7 @@
         </p:blipFill>
         <p:spPr>
           <a:xfrm>
-            <a:off x="6213925" y="5312647"/>
+            <a:off x="6213925" y="5350225"/>
             <a:ext cx="390145" cy="408433"/>
           </a:xfrm>
           <a:prstGeom prst="rect">
@@ -9260,7 +9209,7 @@
                 <a:latin typeface="나눔스퀘어" panose="020B0600000101010101" pitchFamily="50" charset="-127"/>
                 <a:ea typeface="나눔스퀘어" panose="020B0600000101010101" pitchFamily="50" charset="-127"/>
               </a:rPr>
-              <a:t> 중에 다른 탭으로 이동하면 애플리케이션이 종료되는 현상</a:t>
+              <a:t> 중에 다른 탭으로 이동하면 모니터링이 종료되는 현상</a:t>
             </a:r>
             <a:endParaRPr lang="en-US" altLang="ko-KR" sz="2000" dirty="0">
               <a:latin typeface="나눔스퀘어" panose="020B0600000101010101" pitchFamily="50" charset="-127"/>
@@ -13180,8 +13129,8 @@
         </p:nvSpPr>
         <p:spPr>
           <a:xfrm>
-            <a:off x="4664363" y="341922"/>
-            <a:ext cx="2863284" cy="830997"/>
+            <a:off x="3611993" y="341922"/>
+            <a:ext cx="4968028" cy="830997"/>
           </a:xfrm>
           <a:prstGeom prst="rect">
             <a:avLst/>
@@ -13203,7 +13152,7 @@
                 <a:latin typeface="나눔스퀘어" panose="020B0600000101010101" pitchFamily="50" charset="-127"/>
                 <a:ea typeface="나눔스퀘어" panose="020B0600000101010101" pitchFamily="50" charset="-127"/>
               </a:rPr>
-              <a:t>성능 분석</a:t>
+              <a:t>위치 매핑 알고리즘</a:t>
             </a:r>
           </a:p>
         </p:txBody>
@@ -13407,13 +13356,6 @@
               <a:buSzPct val="50000"/>
               <a:buNone/>
             </a:pPr>
-            <a:r>
-              <a:rPr lang="ko-KR" altLang="en-US" sz="3200" dirty="0">
-                <a:latin typeface="나눔스퀘어" panose="020B0600000101010101" pitchFamily="50" charset="-127"/>
-                <a:ea typeface="나눔스퀘어" panose="020B0600000101010101" pitchFamily="50" charset="-127"/>
-              </a:rPr>
-              <a:t>위치 매핑 알고리즘</a:t>
-            </a:r>
             <a:endParaRPr lang="en-US" altLang="ko-KR" dirty="0">
               <a:latin typeface="나눔스퀘어" panose="020B0600000101010101" pitchFamily="50" charset="-127"/>
               <a:ea typeface="나눔스퀘어" panose="020B0600000101010101" pitchFamily="50" charset="-127"/>
@@ -13786,7 +13728,7 @@
     </p:spTree>
     <p:extLst>
       <p:ext uri="{BB962C8B-B14F-4D97-AF65-F5344CB8AC3E}">
-        <p14:creationId xmlns:p14="http://schemas.microsoft.com/office/powerpoint/2010/main" val="1171699499"/>
+        <p14:creationId xmlns:p14="http://schemas.microsoft.com/office/powerpoint/2010/main" val="1620120549"/>
       </p:ext>
     </p:extLst>
   </p:cSld>
@@ -13827,8 +13769,8 @@
         </p:nvSpPr>
         <p:spPr>
           <a:xfrm>
-            <a:off x="4664363" y="341922"/>
-            <a:ext cx="2863284" cy="830997"/>
+            <a:off x="3070981" y="341922"/>
+            <a:ext cx="6050054" cy="830997"/>
           </a:xfrm>
           <a:prstGeom prst="rect">
             <a:avLst/>
@@ -13843,6 +13785,16 @@
           <a:p>
             <a:pPr algn="ctr"/>
             <a:r>
+              <a:rPr lang="en-US" altLang="ko-KR" sz="4800" dirty="0">
+                <a:solidFill>
+                  <a:srgbClr val="6BC7BF"/>
+                </a:solidFill>
+                <a:latin typeface="나눔스퀘어" panose="020B0600000101010101" pitchFamily="50" charset="-127"/>
+                <a:ea typeface="나눔스퀘어" panose="020B0600000101010101" pitchFamily="50" charset="-127"/>
+              </a:rPr>
+              <a:t>3</a:t>
+            </a:r>
+            <a:r>
               <a:rPr lang="ko-KR" altLang="en-US" sz="4800" dirty="0">
                 <a:solidFill>
                   <a:srgbClr val="6BC7BF"/>
@@ -13850,7 +13802,7 @@
                 <a:latin typeface="나눔스퀘어" panose="020B0600000101010101" pitchFamily="50" charset="-127"/>
                 <a:ea typeface="나눔스퀘어" panose="020B0600000101010101" pitchFamily="50" charset="-127"/>
               </a:rPr>
-              <a:t>성능 분석</a:t>
+              <a:t>축 각도 분석 알고리즘</a:t>
             </a:r>
           </a:p>
         </p:txBody>
@@ -14054,20 +14006,6 @@
               <a:buSzPct val="50000"/>
               <a:buNone/>
             </a:pPr>
-            <a:r>
-              <a:rPr lang="en-US" altLang="ko-KR" sz="3200" dirty="0">
-                <a:latin typeface="나눔스퀘어" panose="020B0600000101010101" pitchFamily="50" charset="-127"/>
-                <a:ea typeface="나눔스퀘어" panose="020B0600000101010101" pitchFamily="50" charset="-127"/>
-              </a:rPr>
-              <a:t>3</a:t>
-            </a:r>
-            <a:r>
-              <a:rPr lang="ko-KR" altLang="en-US" sz="3200" dirty="0">
-                <a:latin typeface="나눔스퀘어" panose="020B0600000101010101" pitchFamily="50" charset="-127"/>
-                <a:ea typeface="나눔스퀘어" panose="020B0600000101010101" pitchFamily="50" charset="-127"/>
-              </a:rPr>
-              <a:t>축 각도 분석 알고리즘</a:t>
-            </a:r>
             <a:endParaRPr lang="en-US" altLang="ko-KR" dirty="0">
               <a:latin typeface="나눔스퀘어" panose="020B0600000101010101" pitchFamily="50" charset="-127"/>
               <a:ea typeface="나눔스퀘어" panose="020B0600000101010101" pitchFamily="50" charset="-127"/>
@@ -14497,7 +14435,7 @@
     </p:spTree>
     <p:extLst>
       <p:ext uri="{BB962C8B-B14F-4D97-AF65-F5344CB8AC3E}">
-        <p14:creationId xmlns:p14="http://schemas.microsoft.com/office/powerpoint/2010/main" val="742990815"/>
+        <p14:creationId xmlns:p14="http://schemas.microsoft.com/office/powerpoint/2010/main" val="1700408767"/>
       </p:ext>
     </p:extLst>
   </p:cSld>

--- a/PPT/캡스톤디자인_13주차_발표자료_5조.pptx
+++ b/PPT/캡스톤디자인_13주차_발표자료_5조.pptx
@@ -50,11 +50,11 @@
       <p:bold r:id="rId30"/>
     </p:embeddedFont>
     <p:embeddedFont>
-      <p:font typeface="HY견고딕" panose="02030600000101010101" pitchFamily="18" charset="-127"/>
+      <p:font typeface="나눔스퀘어" panose="020B0600000101010101" pitchFamily="50" charset="-127"/>
       <p:regular r:id="rId31"/>
     </p:embeddedFont>
     <p:embeddedFont>
-      <p:font typeface="나눔스퀘어" panose="020B0600000101010101" pitchFamily="50" charset="-127"/>
+      <p:font typeface="HY견고딕" panose="02030600000101010101" pitchFamily="18" charset="-127"/>
       <p:regular r:id="rId32"/>
     </p:embeddedFont>
   </p:embeddedFontLst>
@@ -6746,7 +6746,7 @@
                 <a:latin typeface="나눔스퀘어" panose="020B0600000101010101" pitchFamily="50" charset="-127"/>
                 <a:ea typeface="나눔스퀘어" panose="020B0600000101010101" pitchFamily="50" charset="-127"/>
               </a:rPr>
-              <a:t>위에서 언급한 중력가속도 제거 오차로 인해 </a:t>
+              <a:t>앞에서 언급한 중력가속도 제거 오차로 인해 </a:t>
             </a:r>
             <a:r>
               <a:rPr lang="en-US" altLang="ko-KR" sz="2400" dirty="0">
@@ -7203,20 +7203,6 @@
                 <a:latin typeface="나눔스퀘어" panose="020B0600000101010101" pitchFamily="50" charset="-127"/>
                 <a:ea typeface="나눔스퀘어" panose="020B0600000101010101" pitchFamily="50" charset="-127"/>
               </a:rPr>
-              <a:t>전동칫솔 전원 연결 후</a:t>
-            </a:r>
-            <a:r>
-              <a:rPr lang="en-US" altLang="ko-KR" dirty="0">
-                <a:latin typeface="나눔스퀘어" panose="020B0600000101010101" pitchFamily="50" charset="-127"/>
-                <a:ea typeface="나눔스퀘어" panose="020B0600000101010101" pitchFamily="50" charset="-127"/>
-              </a:rPr>
-              <a:t>, </a:t>
-            </a:r>
-            <a:r>
-              <a:rPr lang="ko-KR" altLang="en-US" dirty="0">
-                <a:latin typeface="나눔스퀘어" panose="020B0600000101010101" pitchFamily="50" charset="-127"/>
-                <a:ea typeface="나눔스퀘어" panose="020B0600000101010101" pitchFamily="50" charset="-127"/>
-              </a:rPr>
               <a:t>각 치아에 대한 각도 정보를 스위치를 통해 인식하는 과정이 필요</a:t>
             </a:r>
             <a:r>
@@ -7365,7 +7351,7 @@
         </p:nvSpPr>
         <p:spPr>
           <a:xfrm>
-            <a:off x="2058402" y="4905575"/>
+            <a:off x="2058402" y="4366310"/>
             <a:ext cx="307552" cy="315252"/>
           </a:xfrm>
           <a:prstGeom prst="rightArrow">
@@ -13373,7 +13359,7 @@
                 <a:latin typeface="나눔스퀘어" panose="020B0600000101010101" pitchFamily="50" charset="-127"/>
                 <a:ea typeface="나눔스퀘어" panose="020B0600000101010101" pitchFamily="50" charset="-127"/>
               </a:rPr>
-              <a:t>센서에서 추출한 가속도 값의 중력가속도를 제거해준다</a:t>
+              <a:t>센서에서 추출한 가속도 값에서 중력가속도를 제거해준다</a:t>
             </a:r>
             <a:r>
               <a:rPr lang="en-US" altLang="ko-KR" sz="1800" dirty="0">
